--- a/doc/qr-corners.pptx
+++ b/doc/qr-corners.pptx
@@ -5,7 +5,7 @@
     <p:sldMasterId id="2147483648" r:id="rId1"/>
   </p:sldMasterIdLst>
   <p:notesMasterIdLst>
-    <p:notesMasterId r:id="rId7"/>
+    <p:notesMasterId r:id="rId12"/>
   </p:notesMasterIdLst>
   <p:sldIdLst>
     <p:sldId id="256" r:id="rId2"/>
@@ -13,6 +13,11 @@
     <p:sldId id="258" r:id="rId4"/>
     <p:sldId id="259" r:id="rId5"/>
     <p:sldId id="260" r:id="rId6"/>
+    <p:sldId id="261" r:id="rId7"/>
+    <p:sldId id="262" r:id="rId8"/>
+    <p:sldId id="263" r:id="rId9"/>
+    <p:sldId id="264" r:id="rId10"/>
+    <p:sldId id="265" r:id="rId11"/>
   </p:sldIdLst>
   <p:sldSz cx="12192000" cy="6858000"/>
   <p:notesSz cx="6858000" cy="9144000"/>
@@ -111,6 +116,11 @@
       </a:defRPr>
     </a:lvl9pPr>
   </p:defaultTextStyle>
+  <p:extLst>
+    <p:ext uri="{EFAFB233-063F-42B5-8137-9DF3F51BA10A}">
+      <p15:sldGuideLst xmlns:p15="http://schemas.microsoft.com/office/powerpoint/2012/main"/>
+    </p:ext>
+  </p:extLst>
 </p:presentation>
 </file>
 
@@ -196,7 +206,7 @@
           <a:p>
             <a:fld id="{8F3DDDBF-D2F2-A34E-9372-E8CEDEF5FBAC}" type="datetimeFigureOut">
               <a:rPr lang="sv-SE" smtClean="0"/>
-              <a:t>2025-11-04</a:t>
+              <a:t>2025-11-05</a:t>
             </a:fld>
             <a:endParaRPr lang="sv-SE"/>
           </a:p>
@@ -612,6 +622,90 @@
           <a:p>
             <a:fld id="{64B1F5B3-9B52-7948-A2A5-1C0B44A303DB}" type="slidenum">
               <a:rPr lang="sv-SE" smtClean="0"/>
+              <a:t>4</a:t>
+            </a:fld>
+            <a:endParaRPr lang="sv-SE"/>
+          </a:p>
+        </p:txBody>
+      </p:sp>
+    </p:spTree>
+    <p:extLst>
+      <p:ext uri="{BB962C8B-B14F-4D97-AF65-F5344CB8AC3E}">
+        <p14:creationId xmlns:p14="http://schemas.microsoft.com/office/powerpoint/2010/main" val="3041011537"/>
+      </p:ext>
+    </p:extLst>
+  </p:cSld>
+  <p:clrMapOvr>
+    <a:masterClrMapping/>
+  </p:clrMapOvr>
+</p:notes>
+</file>
+
+<file path=ppt/notesSlides/notesSlide3.xml><?xml version="1.0" encoding="utf-8"?>
+<p:notes xmlns:a="http://schemas.openxmlformats.org/drawingml/2006/main" xmlns:r="http://schemas.openxmlformats.org/officeDocument/2006/relationships" xmlns:p="http://schemas.openxmlformats.org/presentationml/2006/main">
+  <p:cSld>
+    <p:spTree>
+      <p:nvGrpSpPr>
+        <p:cNvPr id="1" name=""/>
+        <p:cNvGrpSpPr/>
+        <p:nvPr/>
+      </p:nvGrpSpPr>
+      <p:grpSpPr>
+        <a:xfrm>
+          <a:off x="0" y="0"/>
+          <a:ext cx="0" cy="0"/>
+          <a:chOff x="0" y="0"/>
+          <a:chExt cx="0" cy="0"/>
+        </a:xfrm>
+      </p:grpSpPr>
+      <p:sp>
+        <p:nvSpPr>
+          <p:cNvPr id="2" name="Platshållare för bildobjekt 1"/>
+          <p:cNvSpPr>
+            <a:spLocks noGrp="1" noRot="1" noChangeAspect="1"/>
+          </p:cNvSpPr>
+          <p:nvPr>
+            <p:ph type="sldImg"/>
+          </p:nvPr>
+        </p:nvSpPr>
+        <p:spPr/>
+      </p:sp>
+      <p:sp>
+        <p:nvSpPr>
+          <p:cNvPr id="3" name="Platshållare för anteckningar 2"/>
+          <p:cNvSpPr>
+            <a:spLocks noGrp="1"/>
+          </p:cNvSpPr>
+          <p:nvPr>
+            <p:ph type="body" idx="1"/>
+          </p:nvPr>
+        </p:nvSpPr>
+        <p:spPr/>
+        <p:txBody>
+          <a:bodyPr/>
+          <a:lstStyle/>
+          <a:p>
+            <a:endParaRPr lang="sv-SE" dirty="0"/>
+          </a:p>
+        </p:txBody>
+      </p:sp>
+      <p:sp>
+        <p:nvSpPr>
+          <p:cNvPr id="4" name="Platshållare för bildnummer 3"/>
+          <p:cNvSpPr>
+            <a:spLocks noGrp="1"/>
+          </p:cNvSpPr>
+          <p:nvPr>
+            <p:ph type="sldNum" sz="quarter" idx="5"/>
+          </p:nvPr>
+        </p:nvSpPr>
+        <p:spPr/>
+        <p:txBody>
+          <a:bodyPr/>
+          <a:lstStyle/>
+          <a:p>
+            <a:fld id="{64B1F5B3-9B52-7948-A2A5-1C0B44A303DB}" type="slidenum">
+              <a:rPr lang="sv-SE" smtClean="0"/>
               <a:t>5</a:t>
             </a:fld>
             <a:endParaRPr lang="sv-SE"/>
@@ -622,6 +716,195 @@
     <p:extLst>
       <p:ext uri="{BB962C8B-B14F-4D97-AF65-F5344CB8AC3E}">
         <p14:creationId xmlns:p14="http://schemas.microsoft.com/office/powerpoint/2010/main" val="3880909041"/>
+      </p:ext>
+    </p:extLst>
+  </p:cSld>
+  <p:clrMapOvr>
+    <a:masterClrMapping/>
+  </p:clrMapOvr>
+</p:notes>
+</file>
+
+<file path=ppt/notesSlides/notesSlide4.xml><?xml version="1.0" encoding="utf-8"?>
+<p:notes xmlns:a="http://schemas.openxmlformats.org/drawingml/2006/main" xmlns:r="http://schemas.openxmlformats.org/officeDocument/2006/relationships" xmlns:p="http://schemas.openxmlformats.org/presentationml/2006/main">
+  <p:cSld>
+    <p:spTree>
+      <p:nvGrpSpPr>
+        <p:cNvPr id="1" name=""/>
+        <p:cNvGrpSpPr/>
+        <p:nvPr/>
+      </p:nvGrpSpPr>
+      <p:grpSpPr>
+        <a:xfrm>
+          <a:off x="0" y="0"/>
+          <a:ext cx="0" cy="0"/>
+          <a:chOff x="0" y="0"/>
+          <a:chExt cx="0" cy="0"/>
+        </a:xfrm>
+      </p:grpSpPr>
+      <p:sp>
+        <p:nvSpPr>
+          <p:cNvPr id="2" name="Platshållare för bildobjekt 1"/>
+          <p:cNvSpPr>
+            <a:spLocks noGrp="1" noRot="1" noChangeAspect="1"/>
+          </p:cNvSpPr>
+          <p:nvPr>
+            <p:ph type="sldImg"/>
+          </p:nvPr>
+        </p:nvSpPr>
+        <p:spPr/>
+      </p:sp>
+      <p:sp>
+        <p:nvSpPr>
+          <p:cNvPr id="3" name="Platshållare för anteckningar 2"/>
+          <p:cNvSpPr>
+            <a:spLocks noGrp="1"/>
+          </p:cNvSpPr>
+          <p:nvPr>
+            <p:ph type="body" idx="1"/>
+          </p:nvPr>
+        </p:nvSpPr>
+        <p:spPr/>
+        <p:txBody>
+          <a:bodyPr/>
+          <a:lstStyle/>
+          <a:p>
+            <a:endParaRPr lang="sv-SE" dirty="0"/>
+          </a:p>
+        </p:txBody>
+      </p:sp>
+      <p:sp>
+        <p:nvSpPr>
+          <p:cNvPr id="4" name="Platshållare för bildnummer 3"/>
+          <p:cNvSpPr>
+            <a:spLocks noGrp="1"/>
+          </p:cNvSpPr>
+          <p:nvPr>
+            <p:ph type="sldNum" sz="quarter" idx="5"/>
+          </p:nvPr>
+        </p:nvSpPr>
+        <p:spPr/>
+        <p:txBody>
+          <a:bodyPr/>
+          <a:lstStyle/>
+          <a:p>
+            <a:fld id="{64B1F5B3-9B52-7948-A2A5-1C0B44A303DB}" type="slidenum">
+              <a:rPr lang="sv-SE" smtClean="0"/>
+              <a:t>6</a:t>
+            </a:fld>
+            <a:endParaRPr lang="sv-SE"/>
+          </a:p>
+        </p:txBody>
+      </p:sp>
+    </p:spTree>
+    <p:extLst>
+      <p:ext uri="{BB962C8B-B14F-4D97-AF65-F5344CB8AC3E}">
+        <p14:creationId xmlns:p14="http://schemas.microsoft.com/office/powerpoint/2010/main" val="2230670384"/>
+      </p:ext>
+    </p:extLst>
+  </p:cSld>
+  <p:clrMapOvr>
+    <a:masterClrMapping/>
+  </p:clrMapOvr>
+</p:notes>
+</file>
+
+<file path=ppt/notesSlides/notesSlide5.xml><?xml version="1.0" encoding="utf-8"?>
+<p:notes xmlns:a="http://schemas.openxmlformats.org/drawingml/2006/main" xmlns:r="http://schemas.openxmlformats.org/officeDocument/2006/relationships" xmlns:p="http://schemas.openxmlformats.org/presentationml/2006/main">
+  <p:cSld>
+    <p:spTree>
+      <p:nvGrpSpPr>
+        <p:cNvPr id="1" name=""/>
+        <p:cNvGrpSpPr/>
+        <p:nvPr/>
+      </p:nvGrpSpPr>
+      <p:grpSpPr>
+        <a:xfrm>
+          <a:off x="0" y="0"/>
+          <a:ext cx="0" cy="0"/>
+          <a:chOff x="0" y="0"/>
+          <a:chExt cx="0" cy="0"/>
+        </a:xfrm>
+      </p:grpSpPr>
+      <p:sp>
+        <p:nvSpPr>
+          <p:cNvPr id="2" name="Platshållare för bildobjekt 1"/>
+          <p:cNvSpPr>
+            <a:spLocks noGrp="1" noRot="1" noChangeAspect="1"/>
+          </p:cNvSpPr>
+          <p:nvPr>
+            <p:ph type="sldImg"/>
+          </p:nvPr>
+        </p:nvSpPr>
+        <p:spPr/>
+      </p:sp>
+      <p:sp>
+        <p:nvSpPr>
+          <p:cNvPr id="3" name="Platshållare för anteckningar 2"/>
+          <p:cNvSpPr>
+            <a:spLocks noGrp="1"/>
+          </p:cNvSpPr>
+          <p:nvPr>
+            <p:ph type="body" idx="1"/>
+          </p:nvPr>
+        </p:nvSpPr>
+        <p:spPr/>
+        <p:txBody>
+          <a:bodyPr/>
+          <a:lstStyle/>
+          <a:p>
+            <a:endParaRPr lang="sv-SE" dirty="0"/>
+          </a:p>
+          <a:p>
+            <a:endParaRPr lang="sv-SE" dirty="0"/>
+          </a:p>
+          <a:p>
+            <a:endParaRPr lang="sv-SE" dirty="0"/>
+          </a:p>
+          <a:p>
+            <a:endParaRPr lang="sv-SE" dirty="0"/>
+          </a:p>
+          <a:p>
+            <a:endParaRPr lang="sv-SE" dirty="0"/>
+          </a:p>
+          <a:p>
+            <a:endParaRPr lang="sv-SE" dirty="0"/>
+          </a:p>
+          <a:p>
+            <a:endParaRPr lang="sv-SE" dirty="0"/>
+          </a:p>
+          <a:p>
+            <a:endParaRPr lang="sv-SE" dirty="0"/>
+          </a:p>
+        </p:txBody>
+      </p:sp>
+      <p:sp>
+        <p:nvSpPr>
+          <p:cNvPr id="4" name="Platshållare för bildnummer 3"/>
+          <p:cNvSpPr>
+            <a:spLocks noGrp="1"/>
+          </p:cNvSpPr>
+          <p:nvPr>
+            <p:ph type="sldNum" sz="quarter" idx="5"/>
+          </p:nvPr>
+        </p:nvSpPr>
+        <p:spPr/>
+        <p:txBody>
+          <a:bodyPr/>
+          <a:lstStyle/>
+          <a:p>
+            <a:fld id="{64B1F5B3-9B52-7948-A2A5-1C0B44A303DB}" type="slidenum">
+              <a:rPr lang="sv-SE" smtClean="0"/>
+              <a:t>9</a:t>
+            </a:fld>
+            <a:endParaRPr lang="sv-SE"/>
+          </a:p>
+        </p:txBody>
+      </p:sp>
+    </p:spTree>
+    <p:extLst>
+      <p:ext uri="{BB962C8B-B14F-4D97-AF65-F5344CB8AC3E}">
+        <p14:creationId xmlns:p14="http://schemas.microsoft.com/office/powerpoint/2010/main" val="1899634264"/>
       </p:ext>
     </p:extLst>
   </p:cSld>
@@ -801,7 +1084,7 @@
             <a:fld id="{87DE6118-2437-4B30-8E3C-4D2BE6020583}" type="datetimeFigureOut">
               <a:rPr lang="en-US" dirty="0"/>
               <a:pPr/>
-              <a:t>11/4/25</a:t>
+              <a:t>11/5/25</a:t>
             </a:fld>
             <a:endParaRPr lang="en-US" dirty="0"/>
           </a:p>
@@ -1141,7 +1424,7 @@
           <a:p>
             <a:fld id="{87DE6118-2437-4B30-8E3C-4D2BE6020583}" type="datetimeFigureOut">
               <a:rPr lang="en-US" dirty="0"/>
-              <a:t>11/4/25</a:t>
+              <a:t>11/5/25</a:t>
             </a:fld>
             <a:endParaRPr lang="en-US" dirty="0"/>
           </a:p>
@@ -1316,7 +1599,7 @@
           <a:p>
             <a:fld id="{87DE6118-2437-4B30-8E3C-4D2BE6020583}" type="datetimeFigureOut">
               <a:rPr lang="en-US" dirty="0"/>
-              <a:t>11/4/25</a:t>
+              <a:t>11/5/25</a:t>
             </a:fld>
             <a:endParaRPr lang="en-US" dirty="0"/>
           </a:p>
@@ -1481,7 +1764,7 @@
           <a:p>
             <a:fld id="{87DE6118-2437-4B30-8E3C-4D2BE6020583}" type="datetimeFigureOut">
               <a:rPr lang="en-US" dirty="0"/>
-              <a:t>11/4/25</a:t>
+              <a:t>11/5/25</a:t>
             </a:fld>
             <a:endParaRPr lang="en-US" dirty="0"/>
           </a:p>
@@ -1754,7 +2037,7 @@
             <a:fld id="{87DE6118-2437-4B30-8E3C-4D2BE6020583}" type="datetimeFigureOut">
               <a:rPr lang="en-US" dirty="0"/>
               <a:pPr/>
-              <a:t>11/4/25</a:t>
+              <a:t>11/5/25</a:t>
             </a:fld>
             <a:endParaRPr lang="en-US" dirty="0"/>
           </a:p>
@@ -2144,7 +2427,7 @@
           <a:p>
             <a:fld id="{87DE6118-2437-4B30-8E3C-4D2BE6020583}" type="datetimeFigureOut">
               <a:rPr lang="en-US" dirty="0"/>
-              <a:t>11/4/25</a:t>
+              <a:t>11/5/25</a:t>
             </a:fld>
             <a:endParaRPr lang="en-US" dirty="0"/>
           </a:p>
@@ -2616,7 +2899,7 @@
           <a:p>
             <a:fld id="{87DE6118-2437-4B30-8E3C-4D2BE6020583}" type="datetimeFigureOut">
               <a:rPr lang="en-US" dirty="0"/>
-              <a:t>11/4/25</a:t>
+              <a:t>11/5/25</a:t>
             </a:fld>
             <a:endParaRPr lang="en-US" dirty="0"/>
           </a:p>
@@ -2729,7 +3012,7 @@
           <a:p>
             <a:fld id="{87DE6118-2437-4B30-8E3C-4D2BE6020583}" type="datetimeFigureOut">
               <a:rPr lang="en-US" dirty="0"/>
-              <a:t>11/4/25</a:t>
+              <a:t>11/5/25</a:t>
             </a:fld>
             <a:endParaRPr lang="en-US" dirty="0"/>
           </a:p>
@@ -2819,7 +3102,7 @@
           <a:p>
             <a:fld id="{87DE6118-2437-4B30-8E3C-4D2BE6020583}" type="datetimeFigureOut">
               <a:rPr lang="en-US" dirty="0"/>
-              <a:t>11/4/25</a:t>
+              <a:t>11/5/25</a:t>
             </a:fld>
             <a:endParaRPr lang="en-US" dirty="0"/>
           </a:p>
@@ -3161,7 +3444,7 @@
             <a:fld id="{87DE6118-2437-4B30-8E3C-4D2BE6020583}" type="datetimeFigureOut">
               <a:rPr lang="en-US" dirty="0"/>
               <a:pPr/>
-              <a:t>11/4/25</a:t>
+              <a:t>11/5/25</a:t>
             </a:fld>
             <a:endParaRPr lang="en-US" dirty="0"/>
           </a:p>
@@ -3546,7 +3829,7 @@
             <a:fld id="{87DE6118-2437-4B30-8E3C-4D2BE6020583}" type="datetimeFigureOut">
               <a:rPr lang="en-US" dirty="0"/>
               <a:pPr/>
-              <a:t>11/4/25</a:t>
+              <a:t>11/5/25</a:t>
             </a:fld>
             <a:endParaRPr lang="en-US" dirty="0"/>
           </a:p>
@@ -3821,7 +4104,7 @@
             <a:fld id="{87DE6118-2437-4B30-8E3C-4D2BE6020583}" type="datetimeFigureOut">
               <a:rPr lang="en-US" dirty="0"/>
               <a:pPr/>
-              <a:t>11/4/25</a:t>
+              <a:t>11/5/25</a:t>
             </a:fld>
             <a:endParaRPr lang="en-US" dirty="0"/>
           </a:p>
@@ -4447,6 +4730,311 @@
 </p:sld>
 </file>
 
+<file path=ppt/slides/slide10.xml><?xml version="1.0" encoding="utf-8"?>
+<p:sld xmlns:a="http://schemas.openxmlformats.org/drawingml/2006/main" xmlns:r="http://schemas.openxmlformats.org/officeDocument/2006/relationships" xmlns:p="http://schemas.openxmlformats.org/presentationml/2006/main">
+  <p:cSld>
+    <p:spTree>
+      <p:nvGrpSpPr>
+        <p:cNvPr id="1" name=""/>
+        <p:cNvGrpSpPr/>
+        <p:nvPr/>
+      </p:nvGrpSpPr>
+      <p:grpSpPr>
+        <a:xfrm>
+          <a:off x="0" y="0"/>
+          <a:ext cx="0" cy="0"/>
+          <a:chOff x="0" y="0"/>
+          <a:chExt cx="0" cy="0"/>
+        </a:xfrm>
+      </p:grpSpPr>
+      <p:sp>
+        <p:nvSpPr>
+          <p:cNvPr id="2" name="Rubrik 1">
+            <a:extLst>
+              <a:ext uri="{FF2B5EF4-FFF2-40B4-BE49-F238E27FC236}">
+                <a16:creationId xmlns:a16="http://schemas.microsoft.com/office/drawing/2014/main" id="{55881371-6D81-D7E2-59B0-2536261850F5}"/>
+              </a:ext>
+            </a:extLst>
+          </p:cNvPr>
+          <p:cNvSpPr>
+            <a:spLocks noGrp="1"/>
+          </p:cNvSpPr>
+          <p:nvPr>
+            <p:ph type="title"/>
+          </p:nvPr>
+        </p:nvSpPr>
+        <p:spPr/>
+        <p:txBody>
+          <a:bodyPr/>
+          <a:lstStyle/>
+          <a:p>
+            <a:pPr algn="ctr"/>
+            <a:r>
+              <a:rPr lang="sv-SE" dirty="0"/>
+              <a:t>From </a:t>
+            </a:r>
+            <a:r>
+              <a:rPr lang="sv-SE" dirty="0" err="1"/>
+              <a:t>Playground</a:t>
+            </a:r>
+            <a:r>
+              <a:rPr lang="sv-SE" dirty="0"/>
+              <a:t> to Product</a:t>
+            </a:r>
+          </a:p>
+        </p:txBody>
+      </p:sp>
+      <p:sp>
+        <p:nvSpPr>
+          <p:cNvPr id="3" name="Platshållare för innehåll 2">
+            <a:extLst>
+              <a:ext uri="{FF2B5EF4-FFF2-40B4-BE49-F238E27FC236}">
+                <a16:creationId xmlns:a16="http://schemas.microsoft.com/office/drawing/2014/main" id="{90309F2F-D6DB-C92F-BD7F-060CCD167674}"/>
+              </a:ext>
+            </a:extLst>
+          </p:cNvPr>
+          <p:cNvSpPr>
+            <a:spLocks noGrp="1"/>
+          </p:cNvSpPr>
+          <p:nvPr>
+            <p:ph idx="1"/>
+          </p:nvPr>
+        </p:nvSpPr>
+        <p:spPr/>
+        <p:txBody>
+          <a:bodyPr/>
+          <a:lstStyle/>
+          <a:p>
+            <a:r>
+              <a:rPr lang="sv-SE" dirty="0" err="1"/>
+              <a:t>Greater</a:t>
+            </a:r>
+            <a:r>
+              <a:rPr lang="sv-SE" dirty="0"/>
+              <a:t> variations </a:t>
+            </a:r>
+            <a:r>
+              <a:rPr lang="sv-SE" dirty="0" err="1"/>
+              <a:t>of</a:t>
+            </a:r>
+            <a:r>
+              <a:rPr lang="sv-SE" dirty="0"/>
+              <a:t> </a:t>
+            </a:r>
+            <a:r>
+              <a:rPr lang="sv-SE" dirty="0" err="1"/>
+              <a:t>codes</a:t>
+            </a:r>
+            <a:r>
+              <a:rPr lang="sv-SE" dirty="0"/>
+              <a:t> in the </a:t>
+            </a:r>
+            <a:r>
+              <a:rPr lang="sv-SE" dirty="0" err="1"/>
+              <a:t>training</a:t>
+            </a:r>
+            <a:r>
+              <a:rPr lang="sv-SE" dirty="0"/>
+              <a:t> and </a:t>
+            </a:r>
+            <a:r>
+              <a:rPr lang="sv-SE" dirty="0" err="1"/>
+              <a:t>validation</a:t>
+            </a:r>
+            <a:r>
+              <a:rPr lang="sv-SE" dirty="0"/>
+              <a:t> sets.</a:t>
+            </a:r>
+          </a:p>
+          <a:p>
+            <a:pPr lvl="1"/>
+            <a:r>
+              <a:rPr lang="sv-SE" dirty="0"/>
+              <a:t>QR </a:t>
+            </a:r>
+            <a:r>
+              <a:rPr lang="sv-SE" dirty="0" err="1"/>
+              <a:t>codes</a:t>
+            </a:r>
+            <a:r>
+              <a:rPr lang="sv-SE" dirty="0"/>
+              <a:t> </a:t>
+            </a:r>
+            <a:r>
+              <a:rPr lang="sv-SE" dirty="0" err="1"/>
+              <a:t>with</a:t>
+            </a:r>
+            <a:r>
+              <a:rPr lang="sv-SE" dirty="0"/>
+              <a:t> </a:t>
+            </a:r>
+            <a:r>
+              <a:rPr lang="sv-SE" dirty="0" err="1"/>
+              <a:t>other</a:t>
+            </a:r>
+            <a:r>
+              <a:rPr lang="sv-SE" dirty="0"/>
+              <a:t> versions, and </a:t>
+            </a:r>
+            <a:r>
+              <a:rPr lang="sv-SE" dirty="0" err="1"/>
+              <a:t>other</a:t>
+            </a:r>
+            <a:r>
+              <a:rPr lang="sv-SE" dirty="0"/>
+              <a:t> variations in the </a:t>
+            </a:r>
+            <a:r>
+              <a:rPr lang="sv-SE" dirty="0" err="1"/>
+              <a:t>code</a:t>
+            </a:r>
+            <a:r>
+              <a:rPr lang="sv-SE" dirty="0"/>
+              <a:t> standard.</a:t>
+            </a:r>
+          </a:p>
+          <a:p>
+            <a:pPr lvl="1"/>
+            <a:r>
+              <a:rPr lang="sv-SE" dirty="0"/>
+              <a:t>Data matrix </a:t>
+            </a:r>
+            <a:r>
+              <a:rPr lang="sv-SE" dirty="0" err="1"/>
+              <a:t>codes</a:t>
+            </a:r>
+            <a:r>
+              <a:rPr lang="sv-SE" dirty="0"/>
+              <a:t>. Data matrix is the </a:t>
+            </a:r>
+            <a:r>
+              <a:rPr lang="sv-SE"/>
+              <a:t>more </a:t>
+            </a:r>
+            <a:r>
+              <a:rPr lang="sv-SE" dirty="0"/>
+              <a:t>common </a:t>
+            </a:r>
+            <a:r>
+              <a:rPr lang="sv-SE" dirty="0" err="1"/>
+              <a:t>code</a:t>
+            </a:r>
+            <a:r>
+              <a:rPr lang="sv-SE" dirty="0"/>
+              <a:t> in </a:t>
+            </a:r>
+            <a:r>
+              <a:rPr lang="sv-SE" dirty="0" err="1"/>
+              <a:t>industrial</a:t>
+            </a:r>
+            <a:r>
+              <a:rPr lang="sv-SE" dirty="0"/>
+              <a:t> </a:t>
+            </a:r>
+            <a:r>
+              <a:rPr lang="sv-SE" dirty="0" err="1"/>
+              <a:t>applications</a:t>
+            </a:r>
+            <a:r>
+              <a:rPr lang="sv-SE" dirty="0"/>
+              <a:t>.</a:t>
+            </a:r>
+          </a:p>
+          <a:p>
+            <a:r>
+              <a:rPr lang="sv-SE" dirty="0" err="1"/>
+              <a:t>More</a:t>
+            </a:r>
+            <a:r>
+              <a:rPr lang="sv-SE" dirty="0"/>
+              <a:t> </a:t>
+            </a:r>
+            <a:r>
+              <a:rPr lang="sv-SE" dirty="0" err="1"/>
+              <a:t>advanced</a:t>
+            </a:r>
+            <a:r>
+              <a:rPr lang="sv-SE" dirty="0"/>
+              <a:t> </a:t>
+            </a:r>
+            <a:r>
+              <a:rPr lang="sv-SE" dirty="0" err="1"/>
+              <a:t>backgrounds</a:t>
+            </a:r>
+            <a:r>
+              <a:rPr lang="sv-SE" dirty="0"/>
+              <a:t>.</a:t>
+            </a:r>
+          </a:p>
+          <a:p>
+            <a:r>
+              <a:rPr lang="sv-SE" dirty="0" err="1"/>
+              <a:t>More</a:t>
+            </a:r>
+            <a:r>
+              <a:rPr lang="sv-SE" dirty="0"/>
+              <a:t> </a:t>
+            </a:r>
+            <a:r>
+              <a:rPr lang="sv-SE" dirty="0" err="1"/>
+              <a:t>advanced</a:t>
+            </a:r>
+            <a:r>
+              <a:rPr lang="sv-SE" dirty="0"/>
+              <a:t> </a:t>
+            </a:r>
+            <a:r>
+              <a:rPr lang="sv-SE" dirty="0" err="1"/>
+              <a:t>augmentations</a:t>
+            </a:r>
+            <a:r>
+              <a:rPr lang="sv-SE" dirty="0"/>
+              <a:t>.</a:t>
+            </a:r>
+          </a:p>
+          <a:p>
+            <a:r>
+              <a:rPr lang="sv-SE" dirty="0"/>
+              <a:t>Multi-</a:t>
+            </a:r>
+            <a:r>
+              <a:rPr lang="sv-SE" dirty="0" err="1"/>
+              <a:t>code</a:t>
+            </a:r>
+            <a:r>
+              <a:rPr lang="sv-SE" dirty="0"/>
+              <a:t> </a:t>
+            </a:r>
+            <a:r>
+              <a:rPr lang="sv-SE" dirty="0" err="1"/>
+              <a:t>detections</a:t>
+            </a:r>
+            <a:r>
+              <a:rPr lang="sv-SE" dirty="0"/>
+              <a:t>.</a:t>
+            </a:r>
+          </a:p>
+          <a:p>
+            <a:r>
+              <a:rPr lang="sv-SE" dirty="0"/>
+              <a:t>…</a:t>
+            </a:r>
+          </a:p>
+        </p:txBody>
+      </p:sp>
+    </p:spTree>
+    <p:extLst>
+      <p:ext uri="{BB962C8B-B14F-4D97-AF65-F5344CB8AC3E}">
+        <p14:creationId xmlns:p14="http://schemas.microsoft.com/office/powerpoint/2010/main" val="3354530115"/>
+      </p:ext>
+    </p:extLst>
+  </p:cSld>
+  <p:clrMapOvr>
+    <a:masterClrMapping/>
+  </p:clrMapOvr>
+</p:sld>
+</file>
+
 <file path=ppt/slides/slide2.xml><?xml version="1.0" encoding="utf-8"?>
 <p:sld xmlns:a="http://schemas.openxmlformats.org/drawingml/2006/main" xmlns:r="http://schemas.openxmlformats.org/officeDocument/2006/relationships" xmlns:p="http://schemas.openxmlformats.org/presentationml/2006/main">
   <p:cSld>
@@ -5277,7 +5865,7 @@
         <p:spPr/>
         <p:txBody>
           <a:bodyPr>
-            <a:normAutofit fontScale="92500" lnSpcReduction="10000"/>
+            <a:normAutofit fontScale="85000" lnSpcReduction="20000"/>
           </a:bodyPr>
           <a:lstStyle/>
           <a:p>
@@ -5504,6 +6092,48 @@
           </a:p>
           <a:p>
             <a:r>
+              <a:rPr lang="sv-SE" dirty="0" err="1"/>
+              <a:t>Augmentation</a:t>
+            </a:r>
+            <a:r>
+              <a:rPr lang="sv-SE" dirty="0"/>
+              <a:t> (color, </a:t>
+            </a:r>
+            <a:r>
+              <a:rPr lang="sv-SE" dirty="0" err="1"/>
+              <a:t>blur</a:t>
+            </a:r>
+            <a:r>
+              <a:rPr lang="sv-SE" dirty="0"/>
+              <a:t> etc.) is </a:t>
+            </a:r>
+            <a:r>
+              <a:rPr lang="sv-SE" dirty="0" err="1"/>
+              <a:t>applied</a:t>
+            </a:r>
+            <a:r>
+              <a:rPr lang="sv-SE" dirty="0"/>
+              <a:t> </a:t>
+            </a:r>
+            <a:r>
+              <a:rPr lang="sv-SE" dirty="0" err="1"/>
+              <a:t>during</a:t>
+            </a:r>
+            <a:r>
+              <a:rPr lang="sv-SE" dirty="0"/>
+              <a:t> </a:t>
+            </a:r>
+            <a:r>
+              <a:rPr lang="sv-SE" dirty="0" err="1"/>
+              <a:t>training</a:t>
+            </a:r>
+            <a:r>
+              <a:rPr lang="sv-SE" dirty="0"/>
+              <a:t>.</a:t>
+            </a:r>
+          </a:p>
+          <a:p>
+            <a:r>
               <a:rPr lang="sv-SE" dirty="0"/>
               <a:t>The task is to </a:t>
             </a:r>
@@ -5531,6 +6161,9 @@
               <a:rPr lang="sv-SE" dirty="0"/>
               <a:t>.</a:t>
             </a:r>
+          </a:p>
+          <a:p>
+            <a:endParaRPr lang="sv-SE" dirty="0"/>
           </a:p>
         </p:txBody>
       </p:sp>
@@ -5551,7 +6184,7 @@
           </p:nvPr>
         </p:nvPicPr>
         <p:blipFill>
-          <a:blip r:embed="rId2"/>
+          <a:blip r:embed="rId3"/>
           <a:srcRect/>
           <a:stretch/>
         </p:blipFill>
@@ -5577,7 +6210,7 @@
           <p:nvPr/>
         </p:nvPicPr>
         <p:blipFill>
-          <a:blip r:embed="rId3"/>
+          <a:blip r:embed="rId4"/>
           <a:srcRect/>
           <a:stretch/>
         </p:blipFill>
@@ -5606,7 +6239,7 @@
           <p:nvPr/>
         </p:nvPicPr>
         <p:blipFill>
-          <a:blip r:embed="rId4"/>
+          <a:blip r:embed="rId5"/>
           <a:srcRect/>
           <a:stretch/>
         </p:blipFill>
@@ -5635,7 +6268,7 @@
           <p:nvPr/>
         </p:nvPicPr>
         <p:blipFill>
-          <a:blip r:embed="rId5"/>
+          <a:blip r:embed="rId6"/>
           <a:srcRect/>
           <a:stretch/>
         </p:blipFill>
@@ -5664,7 +6297,7 @@
           <p:nvPr/>
         </p:nvPicPr>
         <p:blipFill>
-          <a:blip r:embed="rId6"/>
+          <a:blip r:embed="rId7"/>
           <a:srcRect/>
           <a:stretch/>
         </p:blipFill>
@@ -5693,7 +6326,7 @@
           <p:nvPr/>
         </p:nvPicPr>
         <p:blipFill>
-          <a:blip r:embed="rId7"/>
+          <a:blip r:embed="rId8"/>
           <a:srcRect/>
           <a:stretch/>
         </p:blipFill>
@@ -5788,17 +6421,16 @@
             </a:br>
             <a:r>
               <a:rPr lang="sv-SE" dirty="0"/>
-              <a:t>(1.1 </a:t>
-            </a:r>
-            <a:r>
-              <a:rPr lang="sv-SE" dirty="0" err="1"/>
-              <a:t>Mparams</a:t>
-            </a:r>
-            <a:r>
-              <a:rPr lang="sv-SE"/>
+              <a:t>(500K </a:t>
+            </a:r>
+            <a:r>
+              <a:rPr lang="sv-SE" dirty="0" err="1"/>
+              <a:t>params</a:t>
+            </a:r>
+            <a:r>
+              <a:rPr lang="sv-SE" dirty="0"/>
               <a:t>)</a:t>
             </a:r>
-            <a:endParaRPr lang="sv-SE" dirty="0"/>
           </a:p>
         </p:txBody>
       </p:sp>
@@ -7211,8 +7843,8 @@
         </p:nvSpPr>
         <p:spPr>
           <a:xfrm>
-            <a:off x="9628702" y="4438116"/>
-            <a:ext cx="1512264" cy="307777"/>
+            <a:off x="9628701" y="4438116"/>
+            <a:ext cx="2063591" cy="307777"/>
           </a:xfrm>
           <a:prstGeom prst="rect">
             <a:avLst/>
@@ -7228,6 +7860,14 @@
             <a:r>
               <a:rPr lang="sv-SE" sz="1400" dirty="0"/>
               <a:t>2 * CBR + </a:t>
+            </a:r>
+            <a:r>
+              <a:rPr lang="sv-SE" sz="1400" dirty="0" err="1"/>
+              <a:t>skip</a:t>
+            </a:r>
+            <a:r>
+              <a:rPr lang="sv-SE" sz="1400" dirty="0"/>
+              <a:t> </a:t>
             </a:r>
             <a:r>
               <a:rPr lang="sv-SE" sz="1400" dirty="0" err="1"/>
@@ -7510,6 +8150,1635 @@
     <p:extLst>
       <p:ext uri="{BB962C8B-B14F-4D97-AF65-F5344CB8AC3E}">
         <p14:creationId xmlns:p14="http://schemas.microsoft.com/office/powerpoint/2010/main" val="2330727817"/>
+      </p:ext>
+    </p:extLst>
+  </p:cSld>
+  <p:clrMapOvr>
+    <a:masterClrMapping/>
+  </p:clrMapOvr>
+</p:sld>
+</file>
+
+<file path=ppt/slides/slide6.xml><?xml version="1.0" encoding="utf-8"?>
+<p:sld xmlns:a="http://schemas.openxmlformats.org/drawingml/2006/main" xmlns:r="http://schemas.openxmlformats.org/officeDocument/2006/relationships" xmlns:p="http://schemas.openxmlformats.org/presentationml/2006/main">
+  <p:cSld>
+    <p:spTree>
+      <p:nvGrpSpPr>
+        <p:cNvPr id="1" name=""/>
+        <p:cNvGrpSpPr/>
+        <p:nvPr/>
+      </p:nvGrpSpPr>
+      <p:grpSpPr>
+        <a:xfrm>
+          <a:off x="0" y="0"/>
+          <a:ext cx="0" cy="0"/>
+          <a:chOff x="0" y="0"/>
+          <a:chExt cx="0" cy="0"/>
+        </a:xfrm>
+      </p:grpSpPr>
+      <p:sp>
+        <p:nvSpPr>
+          <p:cNvPr id="2" name="Rubrik 1">
+            <a:extLst>
+              <a:ext uri="{FF2B5EF4-FFF2-40B4-BE49-F238E27FC236}">
+                <a16:creationId xmlns:a16="http://schemas.microsoft.com/office/drawing/2014/main" id="{5442E1E7-544D-BD99-0D55-EFC9F209807D}"/>
+              </a:ext>
+            </a:extLst>
+          </p:cNvPr>
+          <p:cNvSpPr>
+            <a:spLocks noGrp="1"/>
+          </p:cNvSpPr>
+          <p:nvPr>
+            <p:ph type="title"/>
+          </p:nvPr>
+        </p:nvSpPr>
+        <p:spPr/>
+        <p:txBody>
+          <a:bodyPr/>
+          <a:lstStyle/>
+          <a:p>
+            <a:pPr algn="ctr"/>
+            <a:r>
+              <a:rPr lang="sv-SE" dirty="0"/>
+              <a:t>Choices for the </a:t>
+            </a:r>
+            <a:r>
+              <a:rPr lang="sv-SE" dirty="0" err="1"/>
+              <a:t>Training</a:t>
+            </a:r>
+            <a:r>
+              <a:rPr lang="sv-SE" dirty="0"/>
+              <a:t> Loop</a:t>
+            </a:r>
+          </a:p>
+        </p:txBody>
+      </p:sp>
+      <p:sp>
+        <p:nvSpPr>
+          <p:cNvPr id="3" name="Platshållare för innehåll 2">
+            <a:extLst>
+              <a:ext uri="{FF2B5EF4-FFF2-40B4-BE49-F238E27FC236}">
+                <a16:creationId xmlns:a16="http://schemas.microsoft.com/office/drawing/2014/main" id="{60390701-9C6A-1BE6-6378-4729A5737B0C}"/>
+              </a:ext>
+            </a:extLst>
+          </p:cNvPr>
+          <p:cNvSpPr>
+            <a:spLocks noGrp="1"/>
+          </p:cNvSpPr>
+          <p:nvPr>
+            <p:ph idx="1"/>
+          </p:nvPr>
+        </p:nvSpPr>
+        <p:spPr/>
+        <p:txBody>
+          <a:bodyPr>
+            <a:normAutofit fontScale="77500" lnSpcReduction="20000"/>
+          </a:bodyPr>
+          <a:lstStyle/>
+          <a:p>
+            <a:r>
+              <a:rPr lang="sv-SE" dirty="0"/>
+              <a:t>Mixed loss </a:t>
+            </a:r>
+            <a:r>
+              <a:rPr lang="sv-SE" dirty="0" err="1"/>
+              <a:t>function</a:t>
+            </a:r>
+            <a:r>
+              <a:rPr lang="sv-SE" dirty="0"/>
+              <a:t>:</a:t>
+            </a:r>
+          </a:p>
+          <a:p>
+            <a:pPr lvl="1"/>
+            <a:r>
+              <a:rPr lang="sv-SE" dirty="0" err="1"/>
+              <a:t>Binary</a:t>
+            </a:r>
+            <a:r>
+              <a:rPr lang="sv-SE" dirty="0"/>
+              <a:t> Cross </a:t>
+            </a:r>
+            <a:r>
+              <a:rPr lang="sv-SE" dirty="0" err="1"/>
+              <a:t>Entropy</a:t>
+            </a:r>
+            <a:r>
+              <a:rPr lang="sv-SE" dirty="0"/>
+              <a:t> – </a:t>
+            </a:r>
+            <a:r>
+              <a:rPr lang="sv-SE" dirty="0" err="1"/>
+              <a:t>selecting</a:t>
+            </a:r>
+            <a:r>
+              <a:rPr lang="sv-SE" dirty="0"/>
+              <a:t> </a:t>
+            </a:r>
+            <a:r>
+              <a:rPr lang="sv-SE" dirty="0" err="1"/>
+              <a:t>between</a:t>
+            </a:r>
+            <a:r>
+              <a:rPr lang="sv-SE" dirty="0"/>
+              <a:t> </a:t>
+            </a:r>
+            <a:r>
+              <a:rPr lang="sv-SE" dirty="0" err="1"/>
+              <a:t>two</a:t>
+            </a:r>
+            <a:r>
+              <a:rPr lang="sv-SE" dirty="0"/>
+              <a:t> </a:t>
+            </a:r>
+            <a:r>
+              <a:rPr lang="sv-SE" dirty="0" err="1"/>
+              <a:t>classes</a:t>
+            </a:r>
+            <a:r>
+              <a:rPr lang="sv-SE" dirty="0"/>
+              <a:t>, corner or no-corner.</a:t>
+            </a:r>
+          </a:p>
+          <a:p>
+            <a:pPr lvl="1"/>
+            <a:r>
+              <a:rPr lang="sv-SE" dirty="0"/>
+              <a:t>Dice/</a:t>
+            </a:r>
+            <a:r>
+              <a:rPr lang="sv-SE" dirty="0" err="1"/>
+              <a:t>IoU</a:t>
+            </a:r>
+            <a:r>
+              <a:rPr lang="sv-SE" dirty="0"/>
+              <a:t> – </a:t>
+            </a:r>
+            <a:r>
+              <a:rPr lang="sv-SE" dirty="0" err="1"/>
+              <a:t>optimize</a:t>
+            </a:r>
+            <a:r>
+              <a:rPr lang="sv-SE" dirty="0"/>
+              <a:t> for </a:t>
+            </a:r>
+            <a:r>
+              <a:rPr lang="sv-SE" dirty="0" err="1"/>
+              <a:t>structural</a:t>
+            </a:r>
+            <a:r>
+              <a:rPr lang="sv-SE" dirty="0"/>
+              <a:t> </a:t>
+            </a:r>
+            <a:r>
+              <a:rPr lang="sv-SE" dirty="0" err="1"/>
+              <a:t>alignment</a:t>
+            </a:r>
+            <a:r>
+              <a:rPr lang="sv-SE" dirty="0"/>
+              <a:t>.</a:t>
+            </a:r>
+          </a:p>
+          <a:p>
+            <a:r>
+              <a:rPr lang="sv-SE" dirty="0" err="1"/>
+              <a:t>Variable</a:t>
+            </a:r>
+            <a:r>
+              <a:rPr lang="sv-SE" dirty="0"/>
+              <a:t> </a:t>
+            </a:r>
+            <a:r>
+              <a:rPr lang="sv-SE" dirty="0" err="1"/>
+              <a:t>learning</a:t>
+            </a:r>
+            <a:r>
+              <a:rPr lang="sv-SE" dirty="0"/>
+              <a:t> rate:</a:t>
+            </a:r>
+          </a:p>
+          <a:p>
+            <a:pPr lvl="1"/>
+            <a:r>
+              <a:rPr lang="sv-SE" dirty="0"/>
+              <a:t>Three </a:t>
+            </a:r>
+            <a:r>
+              <a:rPr lang="sv-SE" dirty="0" err="1"/>
+              <a:t>epochs</a:t>
+            </a:r>
+            <a:r>
+              <a:rPr lang="sv-SE" dirty="0"/>
+              <a:t> </a:t>
+            </a:r>
+            <a:r>
+              <a:rPr lang="sv-SE" dirty="0" err="1"/>
+              <a:t>warmup</a:t>
+            </a:r>
+            <a:r>
+              <a:rPr lang="sv-SE" dirty="0"/>
+              <a:t> </a:t>
+            </a:r>
+            <a:r>
+              <a:rPr lang="sv-SE" dirty="0" err="1"/>
+              <a:t>with</a:t>
+            </a:r>
+            <a:r>
+              <a:rPr lang="sv-SE" dirty="0"/>
+              <a:t> </a:t>
+            </a:r>
+            <a:r>
+              <a:rPr lang="sv-SE" dirty="0" err="1"/>
+              <a:t>lower</a:t>
+            </a:r>
+            <a:r>
+              <a:rPr lang="sv-SE" dirty="0"/>
+              <a:t>, </a:t>
+            </a:r>
+            <a:r>
+              <a:rPr lang="sv-SE" dirty="0" err="1"/>
+              <a:t>constant</a:t>
+            </a:r>
+            <a:r>
+              <a:rPr lang="sv-SE" dirty="0"/>
+              <a:t> rate.</a:t>
+            </a:r>
+          </a:p>
+          <a:p>
+            <a:pPr lvl="1"/>
+            <a:r>
+              <a:rPr lang="sv-SE" dirty="0" err="1"/>
+              <a:t>Cosine</a:t>
+            </a:r>
+            <a:r>
+              <a:rPr lang="sv-SE" dirty="0"/>
+              <a:t> </a:t>
+            </a:r>
+            <a:r>
+              <a:rPr lang="sv-SE" dirty="0" err="1"/>
+              <a:t>annealing</a:t>
+            </a:r>
+            <a:r>
+              <a:rPr lang="sv-SE" dirty="0"/>
+              <a:t>.</a:t>
+            </a:r>
+          </a:p>
+          <a:p>
+            <a:r>
+              <a:rPr lang="sv-SE" dirty="0"/>
+              <a:t>L2 </a:t>
+            </a:r>
+            <a:r>
+              <a:rPr lang="sv-SE" dirty="0" err="1"/>
+              <a:t>regularization</a:t>
+            </a:r>
+            <a:r>
+              <a:rPr lang="sv-SE" dirty="0"/>
+              <a:t> </a:t>
+            </a:r>
+            <a:r>
+              <a:rPr lang="sv-SE" dirty="0" err="1"/>
+              <a:t>of</a:t>
+            </a:r>
+            <a:r>
+              <a:rPr lang="sv-SE" dirty="0"/>
+              <a:t> parameters </a:t>
+            </a:r>
+            <a:r>
+              <a:rPr lang="sv-SE" dirty="0" err="1"/>
+              <a:t>using</a:t>
+            </a:r>
+            <a:r>
+              <a:rPr lang="sv-SE" dirty="0"/>
+              <a:t> </a:t>
+            </a:r>
+            <a:r>
+              <a:rPr lang="sv-SE" dirty="0" err="1"/>
+              <a:t>AdamW</a:t>
+            </a:r>
+            <a:r>
+              <a:rPr lang="sv-SE" dirty="0"/>
+              <a:t> </a:t>
+            </a:r>
+            <a:r>
+              <a:rPr lang="sv-SE" dirty="0" err="1"/>
+              <a:t>with</a:t>
+            </a:r>
+            <a:r>
+              <a:rPr lang="sv-SE" dirty="0"/>
+              <a:t> a small </a:t>
+            </a:r>
+            <a:r>
+              <a:rPr lang="sv-SE" dirty="0" err="1"/>
+              <a:t>weight</a:t>
+            </a:r>
+            <a:r>
+              <a:rPr lang="sv-SE" dirty="0"/>
+              <a:t> </a:t>
+            </a:r>
+            <a:r>
+              <a:rPr lang="sv-SE" dirty="0" err="1"/>
+              <a:t>decay</a:t>
+            </a:r>
+            <a:r>
+              <a:rPr lang="sv-SE" dirty="0"/>
+              <a:t>.</a:t>
+            </a:r>
+          </a:p>
+          <a:p>
+            <a:r>
+              <a:rPr lang="sv-SE" dirty="0"/>
+              <a:t>Trial and </a:t>
+            </a:r>
+            <a:r>
+              <a:rPr lang="sv-SE" dirty="0" err="1"/>
+              <a:t>error</a:t>
+            </a:r>
+            <a:r>
+              <a:rPr lang="sv-SE" dirty="0"/>
+              <a:t> for </a:t>
+            </a:r>
+            <a:r>
+              <a:rPr lang="sv-SE" dirty="0" err="1"/>
+              <a:t>finding</a:t>
+            </a:r>
+            <a:r>
+              <a:rPr lang="sv-SE" dirty="0"/>
+              <a:t> hyper parameter </a:t>
+            </a:r>
+            <a:r>
+              <a:rPr lang="sv-SE" dirty="0" err="1"/>
+              <a:t>settings</a:t>
+            </a:r>
+            <a:r>
+              <a:rPr lang="sv-SE" dirty="0"/>
+              <a:t> like:</a:t>
+            </a:r>
+          </a:p>
+          <a:p>
+            <a:pPr lvl="1"/>
+            <a:r>
+              <a:rPr lang="sv-SE" dirty="0"/>
+              <a:t>Initial </a:t>
+            </a:r>
+            <a:r>
+              <a:rPr lang="sv-SE" dirty="0" err="1"/>
+              <a:t>learning</a:t>
+            </a:r>
+            <a:r>
+              <a:rPr lang="sv-SE" dirty="0"/>
+              <a:t> rate.</a:t>
+            </a:r>
+          </a:p>
+          <a:p>
+            <a:pPr lvl="1"/>
+            <a:r>
+              <a:rPr lang="sv-SE" dirty="0"/>
+              <a:t>Mini—</a:t>
+            </a:r>
+            <a:r>
+              <a:rPr lang="sv-SE" dirty="0" err="1"/>
+              <a:t>batch</a:t>
+            </a:r>
+            <a:r>
+              <a:rPr lang="sv-SE" dirty="0"/>
+              <a:t> </a:t>
+            </a:r>
+            <a:r>
+              <a:rPr lang="sv-SE" dirty="0" err="1"/>
+              <a:t>size</a:t>
+            </a:r>
+            <a:r>
+              <a:rPr lang="sv-SE" dirty="0"/>
+              <a:t>.</a:t>
+            </a:r>
+          </a:p>
+          <a:p>
+            <a:pPr lvl="1"/>
+            <a:r>
+              <a:rPr lang="sv-SE" dirty="0" err="1"/>
+              <a:t>Number</a:t>
+            </a:r>
+            <a:r>
+              <a:rPr lang="sv-SE" dirty="0"/>
+              <a:t> </a:t>
+            </a:r>
+            <a:r>
+              <a:rPr lang="sv-SE" dirty="0" err="1"/>
+              <a:t>of</a:t>
+            </a:r>
+            <a:r>
+              <a:rPr lang="sv-SE" dirty="0"/>
+              <a:t> </a:t>
+            </a:r>
+            <a:r>
+              <a:rPr lang="sv-SE" dirty="0" err="1"/>
+              <a:t>epochs</a:t>
+            </a:r>
+            <a:r>
+              <a:rPr lang="sv-SE" dirty="0"/>
+              <a:t>.</a:t>
+            </a:r>
+          </a:p>
+          <a:p>
+            <a:r>
+              <a:rPr lang="sv-SE" dirty="0" err="1"/>
+              <a:t>Saving</a:t>
+            </a:r>
+            <a:r>
+              <a:rPr lang="sv-SE" dirty="0"/>
+              <a:t> a new </a:t>
+            </a:r>
+            <a:r>
+              <a:rPr lang="sv-SE" dirty="0" err="1"/>
+              <a:t>model</a:t>
+            </a:r>
+            <a:r>
+              <a:rPr lang="sv-SE" dirty="0"/>
+              <a:t> snapshot </a:t>
+            </a:r>
+            <a:r>
+              <a:rPr lang="sv-SE" dirty="0" err="1"/>
+              <a:t>whenever</a:t>
+            </a:r>
+            <a:r>
+              <a:rPr lang="sv-SE" dirty="0"/>
+              <a:t> the </a:t>
+            </a:r>
+            <a:r>
+              <a:rPr lang="sv-SE" dirty="0" err="1"/>
+              <a:t>evaluation</a:t>
+            </a:r>
+            <a:r>
+              <a:rPr lang="sv-SE" dirty="0"/>
+              <a:t> </a:t>
+            </a:r>
+            <a:r>
+              <a:rPr lang="sv-SE" dirty="0" err="1"/>
+              <a:t>accuracy</a:t>
+            </a:r>
+            <a:r>
+              <a:rPr lang="sv-SE" dirty="0"/>
+              <a:t> on the </a:t>
+            </a:r>
+            <a:r>
+              <a:rPr lang="sv-SE" dirty="0" err="1"/>
+              <a:t>validation</a:t>
+            </a:r>
+            <a:r>
+              <a:rPr lang="sv-SE" dirty="0"/>
+              <a:t> set has </a:t>
+            </a:r>
+            <a:r>
+              <a:rPr lang="sv-SE" dirty="0" err="1"/>
+              <a:t>improved</a:t>
+            </a:r>
+            <a:r>
+              <a:rPr lang="sv-SE" dirty="0"/>
+              <a:t>.</a:t>
+            </a:r>
+          </a:p>
+          <a:p>
+            <a:endParaRPr lang="sv-SE" dirty="0"/>
+          </a:p>
+        </p:txBody>
+      </p:sp>
+    </p:spTree>
+    <p:extLst>
+      <p:ext uri="{BB962C8B-B14F-4D97-AF65-F5344CB8AC3E}">
+        <p14:creationId xmlns:p14="http://schemas.microsoft.com/office/powerpoint/2010/main" val="871746485"/>
+      </p:ext>
+    </p:extLst>
+  </p:cSld>
+  <p:clrMapOvr>
+    <a:masterClrMapping/>
+  </p:clrMapOvr>
+</p:sld>
+</file>
+
+<file path=ppt/slides/slide7.xml><?xml version="1.0" encoding="utf-8"?>
+<p:sld xmlns:a="http://schemas.openxmlformats.org/drawingml/2006/main" xmlns:r="http://schemas.openxmlformats.org/officeDocument/2006/relationships" xmlns:p="http://schemas.openxmlformats.org/presentationml/2006/main">
+  <p:cSld>
+    <p:spTree>
+      <p:nvGrpSpPr>
+        <p:cNvPr id="1" name=""/>
+        <p:cNvGrpSpPr/>
+        <p:nvPr/>
+      </p:nvGrpSpPr>
+      <p:grpSpPr>
+        <a:xfrm>
+          <a:off x="0" y="0"/>
+          <a:ext cx="0" cy="0"/>
+          <a:chOff x="0" y="0"/>
+          <a:chExt cx="0" cy="0"/>
+        </a:xfrm>
+      </p:grpSpPr>
+      <p:sp>
+        <p:nvSpPr>
+          <p:cNvPr id="2" name="Rubrik 1">
+            <a:extLst>
+              <a:ext uri="{FF2B5EF4-FFF2-40B4-BE49-F238E27FC236}">
+                <a16:creationId xmlns:a16="http://schemas.microsoft.com/office/drawing/2014/main" id="{D1EBF00A-AE28-573F-3DD7-9DD5CFEE7DAD}"/>
+              </a:ext>
+            </a:extLst>
+          </p:cNvPr>
+          <p:cNvSpPr>
+            <a:spLocks noGrp="1"/>
+          </p:cNvSpPr>
+          <p:nvPr>
+            <p:ph type="title"/>
+          </p:nvPr>
+        </p:nvSpPr>
+        <p:spPr/>
+        <p:txBody>
+          <a:bodyPr/>
+          <a:lstStyle/>
+          <a:p>
+            <a:pPr algn="ctr"/>
+            <a:r>
+              <a:rPr lang="sv-SE" dirty="0" err="1"/>
+              <a:t>Evaluation</a:t>
+            </a:r>
+            <a:r>
+              <a:rPr lang="sv-SE" dirty="0"/>
+              <a:t> </a:t>
+            </a:r>
+            <a:r>
+              <a:rPr lang="sv-SE" dirty="0" err="1"/>
+              <a:t>of</a:t>
+            </a:r>
+            <a:r>
+              <a:rPr lang="sv-SE" dirty="0"/>
+              <a:t> </a:t>
+            </a:r>
+            <a:r>
+              <a:rPr lang="sv-SE" dirty="0" err="1"/>
+              <a:t>Predicted</a:t>
+            </a:r>
+            <a:r>
+              <a:rPr lang="sv-SE" dirty="0"/>
+              <a:t> </a:t>
+            </a:r>
+            <a:r>
+              <a:rPr lang="sv-SE" dirty="0" err="1"/>
+              <a:t>Corners</a:t>
+            </a:r>
+            <a:endParaRPr lang="sv-SE" dirty="0"/>
+          </a:p>
+        </p:txBody>
+      </p:sp>
+      <p:sp>
+        <p:nvSpPr>
+          <p:cNvPr id="3" name="Platshållare för innehåll 2">
+            <a:extLst>
+              <a:ext uri="{FF2B5EF4-FFF2-40B4-BE49-F238E27FC236}">
+                <a16:creationId xmlns:a16="http://schemas.microsoft.com/office/drawing/2014/main" id="{595ACA07-70B0-29CF-070D-4D9071E55814}"/>
+              </a:ext>
+            </a:extLst>
+          </p:cNvPr>
+          <p:cNvSpPr>
+            <a:spLocks noGrp="1"/>
+          </p:cNvSpPr>
+          <p:nvPr>
+            <p:ph sz="half" idx="1"/>
+          </p:nvPr>
+        </p:nvSpPr>
+        <p:spPr/>
+        <p:txBody>
+          <a:bodyPr/>
+          <a:lstStyle/>
+          <a:p>
+            <a:r>
+              <a:rPr lang="sv-SE" dirty="0" err="1"/>
+              <a:t>Evaluate</a:t>
+            </a:r>
+            <a:r>
+              <a:rPr lang="sv-SE" dirty="0"/>
+              <a:t> </a:t>
+            </a:r>
+            <a:r>
+              <a:rPr lang="sv-SE" dirty="0" err="1"/>
+              <a:t>predictions</a:t>
+            </a:r>
+            <a:r>
+              <a:rPr lang="sv-SE" dirty="0"/>
+              <a:t> from a </a:t>
+            </a:r>
+            <a:r>
+              <a:rPr lang="sv-SE" dirty="0" err="1"/>
+              <a:t>validation</a:t>
+            </a:r>
+            <a:r>
+              <a:rPr lang="sv-SE" dirty="0"/>
+              <a:t> set:</a:t>
+            </a:r>
+          </a:p>
+          <a:p>
+            <a:pPr lvl="1"/>
+            <a:r>
+              <a:rPr lang="sv-SE" dirty="0" err="1"/>
+              <a:t>Extracting</a:t>
+            </a:r>
+            <a:r>
+              <a:rPr lang="sv-SE" dirty="0"/>
+              <a:t> </a:t>
+            </a:r>
+            <a:r>
+              <a:rPr lang="sv-SE" dirty="0" err="1"/>
+              <a:t>points</a:t>
+            </a:r>
+            <a:r>
+              <a:rPr lang="sv-SE" dirty="0"/>
+              <a:t> from </a:t>
+            </a:r>
+            <a:r>
+              <a:rPr lang="sv-SE" dirty="0" err="1"/>
+              <a:t>predicted</a:t>
+            </a:r>
+            <a:r>
+              <a:rPr lang="sv-SE" dirty="0"/>
+              <a:t> </a:t>
+            </a:r>
+            <a:r>
+              <a:rPr lang="sv-SE" dirty="0" err="1"/>
+              <a:t>heatmaps</a:t>
+            </a:r>
+            <a:r>
+              <a:rPr lang="sv-SE" dirty="0"/>
+              <a:t>.</a:t>
+            </a:r>
+          </a:p>
+          <a:p>
+            <a:pPr lvl="1"/>
+            <a:r>
+              <a:rPr lang="sv-SE" dirty="0" err="1"/>
+              <a:t>Calculate</a:t>
+            </a:r>
+            <a:r>
+              <a:rPr lang="sv-SE" dirty="0"/>
+              <a:t> </a:t>
+            </a:r>
+            <a:r>
+              <a:rPr lang="sv-SE" dirty="0" err="1"/>
+              <a:t>mean</a:t>
+            </a:r>
+            <a:r>
+              <a:rPr lang="sv-SE" dirty="0"/>
+              <a:t> </a:t>
+            </a:r>
+            <a:r>
+              <a:rPr lang="sv-SE" dirty="0" err="1"/>
+              <a:t>Euclidean</a:t>
+            </a:r>
+            <a:r>
+              <a:rPr lang="sv-SE" dirty="0"/>
+              <a:t> </a:t>
+            </a:r>
+            <a:r>
+              <a:rPr lang="sv-SE" dirty="0" err="1"/>
+              <a:t>distance</a:t>
+            </a:r>
+            <a:r>
+              <a:rPr lang="sv-SE" dirty="0"/>
+              <a:t> </a:t>
+            </a:r>
+            <a:r>
+              <a:rPr lang="sv-SE" dirty="0" err="1"/>
+              <a:t>compared</a:t>
+            </a:r>
+            <a:r>
+              <a:rPr lang="sv-SE" dirty="0"/>
+              <a:t> to </a:t>
+            </a:r>
+            <a:r>
+              <a:rPr lang="sv-SE" dirty="0" err="1"/>
+              <a:t>ground</a:t>
+            </a:r>
+            <a:r>
+              <a:rPr lang="sv-SE" dirty="0"/>
+              <a:t> </a:t>
+            </a:r>
+            <a:r>
+              <a:rPr lang="sv-SE" dirty="0" err="1"/>
+              <a:t>truth</a:t>
+            </a:r>
+            <a:r>
+              <a:rPr lang="sv-SE" dirty="0"/>
+              <a:t> </a:t>
+            </a:r>
+            <a:r>
+              <a:rPr lang="sv-SE" dirty="0" err="1"/>
+              <a:t>points</a:t>
+            </a:r>
+            <a:r>
+              <a:rPr lang="sv-SE" dirty="0"/>
+              <a:t>.</a:t>
+            </a:r>
+          </a:p>
+          <a:p>
+            <a:pPr lvl="1"/>
+            <a:r>
+              <a:rPr lang="sv-SE" dirty="0" err="1"/>
+              <a:t>This</a:t>
+            </a:r>
+            <a:r>
+              <a:rPr lang="sv-SE" dirty="0"/>
+              <a:t> </a:t>
+            </a:r>
+            <a:r>
+              <a:rPr lang="sv-SE" dirty="0" err="1"/>
+              <a:t>example</a:t>
+            </a:r>
+            <a:r>
+              <a:rPr lang="sv-SE" dirty="0"/>
+              <a:t> has an </a:t>
+            </a:r>
+            <a:r>
+              <a:rPr lang="sv-SE" dirty="0" err="1"/>
+              <a:t>evaluation</a:t>
+            </a:r>
+            <a:r>
+              <a:rPr lang="sv-SE" dirty="0"/>
+              <a:t> </a:t>
+            </a:r>
+            <a:r>
+              <a:rPr lang="sv-SE" dirty="0" err="1"/>
+              <a:t>accuracy</a:t>
+            </a:r>
+            <a:r>
+              <a:rPr lang="sv-SE" dirty="0"/>
+              <a:t> </a:t>
+            </a:r>
+            <a:r>
+              <a:rPr lang="sv-SE" dirty="0" err="1"/>
+              <a:t>of</a:t>
+            </a:r>
+            <a:r>
+              <a:rPr lang="sv-SE" dirty="0"/>
+              <a:t> 0.4 pixels.</a:t>
+            </a:r>
+          </a:p>
+        </p:txBody>
+      </p:sp>
+      <p:pic>
+        <p:nvPicPr>
+          <p:cNvPr id="6" name="Platshållare för innehåll 5">
+            <a:extLst>
+              <a:ext uri="{FF2B5EF4-FFF2-40B4-BE49-F238E27FC236}">
+                <a16:creationId xmlns:a16="http://schemas.microsoft.com/office/drawing/2014/main" id="{6AFAFBB9-ADC0-02EC-F17C-2A9C128D5DB6}"/>
+              </a:ext>
+            </a:extLst>
+          </p:cNvPr>
+          <p:cNvPicPr>
+            <a:picLocks noGrp="1" noChangeAspect="1"/>
+          </p:cNvPicPr>
+          <p:nvPr>
+            <p:ph sz="half" idx="2"/>
+          </p:nvPr>
+        </p:nvPicPr>
+        <p:blipFill>
+          <a:blip r:embed="rId2"/>
+          <a:srcRect/>
+          <a:stretch/>
+        </p:blipFill>
+        <p:spPr>
+          <a:xfrm>
+            <a:off x="6524625" y="2593975"/>
+            <a:ext cx="4448175" cy="2965450"/>
+          </a:xfrm>
+        </p:spPr>
+      </p:pic>
+    </p:spTree>
+    <p:extLst>
+      <p:ext uri="{BB962C8B-B14F-4D97-AF65-F5344CB8AC3E}">
+        <p14:creationId xmlns:p14="http://schemas.microsoft.com/office/powerpoint/2010/main" val="532638686"/>
+      </p:ext>
+    </p:extLst>
+  </p:cSld>
+  <p:clrMapOvr>
+    <a:masterClrMapping/>
+  </p:clrMapOvr>
+</p:sld>
+</file>
+
+<file path=ppt/slides/slide8.xml><?xml version="1.0" encoding="utf-8"?>
+<p:sld xmlns:a="http://schemas.openxmlformats.org/drawingml/2006/main" xmlns:r="http://schemas.openxmlformats.org/officeDocument/2006/relationships" xmlns:p="http://schemas.openxmlformats.org/presentationml/2006/main">
+  <p:cSld>
+    <p:spTree>
+      <p:nvGrpSpPr>
+        <p:cNvPr id="1" name=""/>
+        <p:cNvGrpSpPr/>
+        <p:nvPr/>
+      </p:nvGrpSpPr>
+      <p:grpSpPr>
+        <a:xfrm>
+          <a:off x="0" y="0"/>
+          <a:ext cx="0" cy="0"/>
+          <a:chOff x="0" y="0"/>
+          <a:chExt cx="0" cy="0"/>
+        </a:xfrm>
+      </p:grpSpPr>
+      <p:sp>
+        <p:nvSpPr>
+          <p:cNvPr id="2" name="Rubrik 1">
+            <a:extLst>
+              <a:ext uri="{FF2B5EF4-FFF2-40B4-BE49-F238E27FC236}">
+                <a16:creationId xmlns:a16="http://schemas.microsoft.com/office/drawing/2014/main" id="{F23054C6-463F-3F0C-DE61-2D3A1ABA62A0}"/>
+              </a:ext>
+            </a:extLst>
+          </p:cNvPr>
+          <p:cNvSpPr>
+            <a:spLocks noGrp="1"/>
+          </p:cNvSpPr>
+          <p:nvPr>
+            <p:ph type="title"/>
+          </p:nvPr>
+        </p:nvSpPr>
+        <p:spPr/>
+        <p:txBody>
+          <a:bodyPr/>
+          <a:lstStyle/>
+          <a:p>
+            <a:pPr algn="ctr"/>
+            <a:r>
+              <a:rPr lang="sv-SE" dirty="0"/>
+              <a:t>Corner </a:t>
+            </a:r>
+            <a:r>
+              <a:rPr lang="sv-SE" dirty="0" err="1"/>
+              <a:t>Ambiguity</a:t>
+            </a:r>
+            <a:endParaRPr lang="sv-SE" dirty="0"/>
+          </a:p>
+        </p:txBody>
+      </p:sp>
+      <p:sp>
+        <p:nvSpPr>
+          <p:cNvPr id="3" name="Platshållare för innehåll 2">
+            <a:extLst>
+              <a:ext uri="{FF2B5EF4-FFF2-40B4-BE49-F238E27FC236}">
+                <a16:creationId xmlns:a16="http://schemas.microsoft.com/office/drawing/2014/main" id="{F6F365BC-3567-CA42-0601-8093F07EEE4C}"/>
+              </a:ext>
+            </a:extLst>
+          </p:cNvPr>
+          <p:cNvSpPr>
+            <a:spLocks noGrp="1"/>
+          </p:cNvSpPr>
+          <p:nvPr>
+            <p:ph sz="half" idx="1"/>
+          </p:nvPr>
+        </p:nvSpPr>
+        <p:spPr/>
+        <p:txBody>
+          <a:bodyPr/>
+          <a:lstStyle/>
+          <a:p>
+            <a:r>
+              <a:rPr lang="sv-SE" dirty="0" err="1"/>
+              <a:t>Sometimes</a:t>
+            </a:r>
+            <a:r>
+              <a:rPr lang="sv-SE" dirty="0"/>
+              <a:t>, and </a:t>
+            </a:r>
+            <a:r>
+              <a:rPr lang="sv-SE" dirty="0" err="1"/>
+              <a:t>quite</a:t>
+            </a:r>
+            <a:r>
+              <a:rPr lang="sv-SE" dirty="0"/>
+              <a:t> </a:t>
+            </a:r>
+            <a:r>
+              <a:rPr lang="sv-SE" dirty="0" err="1"/>
+              <a:t>often</a:t>
+            </a:r>
+            <a:r>
+              <a:rPr lang="sv-SE" dirty="0"/>
+              <a:t>, in the </a:t>
+            </a:r>
+            <a:r>
+              <a:rPr lang="sv-SE" dirty="0" err="1"/>
+              <a:t>first</a:t>
+            </a:r>
+            <a:r>
+              <a:rPr lang="sv-SE" dirty="0"/>
+              <a:t> implementation, </a:t>
+            </a:r>
+            <a:r>
+              <a:rPr lang="sv-SE" dirty="0" err="1"/>
+              <a:t>corners</a:t>
+            </a:r>
+            <a:r>
+              <a:rPr lang="sv-SE" dirty="0"/>
+              <a:t> </a:t>
+            </a:r>
+            <a:r>
+              <a:rPr lang="sv-SE" dirty="0" err="1"/>
+              <a:t>were</a:t>
+            </a:r>
+            <a:r>
+              <a:rPr lang="sv-SE" dirty="0"/>
+              <a:t> ”</a:t>
+            </a:r>
+            <a:r>
+              <a:rPr lang="sv-SE" dirty="0" err="1"/>
+              <a:t>switched</a:t>
+            </a:r>
+            <a:r>
+              <a:rPr lang="sv-SE" dirty="0"/>
+              <a:t>” </a:t>
+            </a:r>
+            <a:r>
+              <a:rPr lang="sv-SE" dirty="0" err="1"/>
+              <a:t>with</a:t>
+            </a:r>
+            <a:r>
+              <a:rPr lang="sv-SE" dirty="0"/>
+              <a:t> </a:t>
+            </a:r>
+            <a:r>
+              <a:rPr lang="sv-SE" dirty="0" err="1"/>
+              <a:t>each</a:t>
+            </a:r>
+            <a:r>
+              <a:rPr lang="sv-SE" dirty="0"/>
+              <a:t> </a:t>
+            </a:r>
+            <a:r>
+              <a:rPr lang="sv-SE" dirty="0" err="1"/>
+              <a:t>other</a:t>
+            </a:r>
+            <a:r>
+              <a:rPr lang="sv-SE" dirty="0"/>
+              <a:t>.</a:t>
+            </a:r>
+          </a:p>
+          <a:p>
+            <a:r>
+              <a:rPr lang="sv-SE" dirty="0"/>
+              <a:t>Most sensitive to the ”</a:t>
+            </a:r>
+            <a:r>
+              <a:rPr lang="sv-SE" dirty="0" err="1"/>
+              <a:t>switching</a:t>
+            </a:r>
+            <a:r>
+              <a:rPr lang="sv-SE" dirty="0"/>
+              <a:t>” </a:t>
+            </a:r>
+            <a:r>
+              <a:rPr lang="sv-SE" dirty="0" err="1"/>
+              <a:t>was</a:t>
+            </a:r>
+            <a:r>
+              <a:rPr lang="sv-SE" dirty="0"/>
+              <a:t> the </a:t>
+            </a:r>
+            <a:r>
+              <a:rPr lang="sv-SE" dirty="0" err="1"/>
+              <a:t>corners</a:t>
+            </a:r>
+            <a:r>
+              <a:rPr lang="sv-SE" dirty="0"/>
+              <a:t> </a:t>
+            </a:r>
+            <a:r>
+              <a:rPr lang="sv-SE" dirty="0" err="1"/>
+              <a:t>with</a:t>
+            </a:r>
+            <a:r>
+              <a:rPr lang="sv-SE" dirty="0"/>
+              <a:t> the </a:t>
+            </a:r>
+            <a:r>
+              <a:rPr lang="sv-SE" dirty="0" err="1"/>
+              <a:t>finder</a:t>
+            </a:r>
+            <a:r>
+              <a:rPr lang="sv-SE" dirty="0"/>
+              <a:t> </a:t>
+            </a:r>
+            <a:r>
+              <a:rPr lang="sv-SE" dirty="0" err="1"/>
+              <a:t>pattern</a:t>
+            </a:r>
+            <a:r>
+              <a:rPr lang="sv-SE" dirty="0"/>
+              <a:t>, </a:t>
+            </a:r>
+            <a:r>
+              <a:rPr lang="sv-SE" dirty="0" err="1"/>
+              <a:t>while</a:t>
+            </a:r>
+            <a:r>
+              <a:rPr lang="sv-SE" dirty="0"/>
+              <a:t> the </a:t>
+            </a:r>
+            <a:r>
+              <a:rPr lang="sv-SE" dirty="0" err="1"/>
+              <a:t>odd</a:t>
+            </a:r>
+            <a:r>
+              <a:rPr lang="sv-SE" dirty="0"/>
+              <a:t> corner </a:t>
+            </a:r>
+            <a:r>
+              <a:rPr lang="sv-SE" dirty="0" err="1"/>
+              <a:t>seldom</a:t>
+            </a:r>
+            <a:r>
+              <a:rPr lang="sv-SE" dirty="0"/>
+              <a:t> </a:t>
+            </a:r>
+            <a:r>
+              <a:rPr lang="sv-SE" dirty="0" err="1"/>
+              <a:t>become</a:t>
+            </a:r>
+            <a:r>
+              <a:rPr lang="sv-SE" dirty="0"/>
+              <a:t> ”</a:t>
+            </a:r>
+            <a:r>
+              <a:rPr lang="sv-SE" dirty="0" err="1"/>
+              <a:t>switched</a:t>
+            </a:r>
+            <a:r>
+              <a:rPr lang="sv-SE" dirty="0"/>
+              <a:t>”.</a:t>
+            </a:r>
+          </a:p>
+          <a:p>
+            <a:r>
+              <a:rPr lang="sv-SE" dirty="0" err="1"/>
+              <a:t>Can</a:t>
+            </a:r>
+            <a:r>
+              <a:rPr lang="sv-SE" dirty="0"/>
+              <a:t> </a:t>
+            </a:r>
+            <a:r>
+              <a:rPr lang="sv-SE" dirty="0" err="1"/>
+              <a:t>you</a:t>
+            </a:r>
+            <a:r>
+              <a:rPr lang="sv-SE" dirty="0"/>
+              <a:t> </a:t>
+            </a:r>
+            <a:r>
+              <a:rPr lang="sv-SE" dirty="0" err="1"/>
+              <a:t>guess</a:t>
+            </a:r>
+            <a:r>
+              <a:rPr lang="sv-SE" dirty="0"/>
+              <a:t> </a:t>
+            </a:r>
+            <a:r>
+              <a:rPr lang="sv-SE" dirty="0" err="1"/>
+              <a:t>why</a:t>
+            </a:r>
+            <a:r>
+              <a:rPr lang="sv-SE" dirty="0"/>
+              <a:t>?</a:t>
+            </a:r>
+          </a:p>
+        </p:txBody>
+      </p:sp>
+      <p:pic>
+        <p:nvPicPr>
+          <p:cNvPr id="6" name="Platshållare för innehåll 5" descr="En bild som visar skärmbild, grafisk design, tecknad serie, Grafik&#10;&#10;AI-genererat innehåll kan vara felaktigt.">
+            <a:extLst>
+              <a:ext uri="{FF2B5EF4-FFF2-40B4-BE49-F238E27FC236}">
+                <a16:creationId xmlns:a16="http://schemas.microsoft.com/office/drawing/2014/main" id="{F8E94009-F450-7307-7C89-63E18E506E4D}"/>
+              </a:ext>
+            </a:extLst>
+          </p:cNvPr>
+          <p:cNvPicPr>
+            <a:picLocks noGrp="1" noChangeAspect="1"/>
+          </p:cNvPicPr>
+          <p:nvPr>
+            <p:ph sz="half" idx="2"/>
+          </p:nvPr>
+        </p:nvPicPr>
+        <p:blipFill>
+          <a:blip r:embed="rId2"/>
+          <a:stretch>
+            <a:fillRect/>
+          </a:stretch>
+        </p:blipFill>
+        <p:spPr>
+          <a:xfrm>
+            <a:off x="6524625" y="2593975"/>
+            <a:ext cx="4448175" cy="2965450"/>
+          </a:xfrm>
+        </p:spPr>
+      </p:pic>
+    </p:spTree>
+    <p:extLst>
+      <p:ext uri="{BB962C8B-B14F-4D97-AF65-F5344CB8AC3E}">
+        <p14:creationId xmlns:p14="http://schemas.microsoft.com/office/powerpoint/2010/main" val="1105162678"/>
+      </p:ext>
+    </p:extLst>
+  </p:cSld>
+  <p:clrMapOvr>
+    <a:masterClrMapping/>
+  </p:clrMapOvr>
+</p:sld>
+</file>
+
+<file path=ppt/slides/slide9.xml><?xml version="1.0" encoding="utf-8"?>
+<p:sld xmlns:a="http://schemas.openxmlformats.org/drawingml/2006/main" xmlns:r="http://schemas.openxmlformats.org/officeDocument/2006/relationships" xmlns:p="http://schemas.openxmlformats.org/presentationml/2006/main">
+  <p:cSld>
+    <p:spTree>
+      <p:nvGrpSpPr>
+        <p:cNvPr id="1" name=""/>
+        <p:cNvGrpSpPr/>
+        <p:nvPr/>
+      </p:nvGrpSpPr>
+      <p:grpSpPr>
+        <a:xfrm>
+          <a:off x="0" y="0"/>
+          <a:ext cx="0" cy="0"/>
+          <a:chOff x="0" y="0"/>
+          <a:chExt cx="0" cy="0"/>
+        </a:xfrm>
+      </p:grpSpPr>
+      <p:sp>
+        <p:nvSpPr>
+          <p:cNvPr id="2" name="Rubrik 1">
+            <a:extLst>
+              <a:ext uri="{FF2B5EF4-FFF2-40B4-BE49-F238E27FC236}">
+                <a16:creationId xmlns:a16="http://schemas.microsoft.com/office/drawing/2014/main" id="{7D7D7B89-2C57-100E-419B-D7209AC8717D}"/>
+              </a:ext>
+            </a:extLst>
+          </p:cNvPr>
+          <p:cNvSpPr>
+            <a:spLocks noGrp="1"/>
+          </p:cNvSpPr>
+          <p:nvPr>
+            <p:ph type="title"/>
+          </p:nvPr>
+        </p:nvSpPr>
+        <p:spPr/>
+        <p:txBody>
+          <a:bodyPr/>
+          <a:lstStyle/>
+          <a:p>
+            <a:pPr algn="ctr"/>
+            <a:r>
+              <a:rPr lang="sv-SE" dirty="0"/>
+              <a:t>ASPP to the </a:t>
+            </a:r>
+            <a:r>
+              <a:rPr lang="sv-SE" dirty="0" err="1"/>
+              <a:t>Rescue</a:t>
+            </a:r>
+            <a:endParaRPr lang="sv-SE" dirty="0"/>
+          </a:p>
+        </p:txBody>
+      </p:sp>
+      <p:sp>
+        <p:nvSpPr>
+          <p:cNvPr id="3" name="Platshållare för innehåll 2">
+            <a:extLst>
+              <a:ext uri="{FF2B5EF4-FFF2-40B4-BE49-F238E27FC236}">
+                <a16:creationId xmlns:a16="http://schemas.microsoft.com/office/drawing/2014/main" id="{C14CE8AB-5522-05E3-20D6-4F51F705C97D}"/>
+              </a:ext>
+            </a:extLst>
+          </p:cNvPr>
+          <p:cNvSpPr>
+            <a:spLocks noGrp="1"/>
+          </p:cNvSpPr>
+          <p:nvPr>
+            <p:ph idx="1"/>
+          </p:nvPr>
+        </p:nvSpPr>
+        <p:spPr/>
+        <p:txBody>
+          <a:bodyPr/>
+          <a:lstStyle/>
+          <a:p>
+            <a:r>
+              <a:rPr lang="sv-SE" dirty="0" err="1"/>
+              <a:t>One</a:t>
+            </a:r>
+            <a:r>
+              <a:rPr lang="sv-SE" dirty="0"/>
+              <a:t> drawback </a:t>
+            </a:r>
+            <a:r>
+              <a:rPr lang="sv-SE" dirty="0" err="1"/>
+              <a:t>with</a:t>
+            </a:r>
+            <a:r>
+              <a:rPr lang="sv-SE" dirty="0"/>
+              <a:t> (</a:t>
+            </a:r>
+            <a:r>
+              <a:rPr lang="sv-SE" i="1" dirty="0" err="1"/>
+              <a:t>shallow</a:t>
+            </a:r>
+            <a:r>
+              <a:rPr lang="sv-SE" dirty="0"/>
+              <a:t>) CNN-</a:t>
+            </a:r>
+            <a:r>
+              <a:rPr lang="sv-SE" dirty="0" err="1"/>
+              <a:t>based</a:t>
+            </a:r>
+            <a:r>
+              <a:rPr lang="sv-SE" dirty="0"/>
+              <a:t> </a:t>
+            </a:r>
+            <a:r>
+              <a:rPr lang="sv-SE" dirty="0" err="1"/>
+              <a:t>networks</a:t>
+            </a:r>
+            <a:r>
+              <a:rPr lang="sv-SE" dirty="0"/>
+              <a:t> </a:t>
+            </a:r>
+            <a:r>
+              <a:rPr lang="sv-SE" dirty="0" err="1"/>
+              <a:t>are</a:t>
+            </a:r>
+            <a:r>
+              <a:rPr lang="sv-SE" dirty="0"/>
+              <a:t> </a:t>
+            </a:r>
+            <a:r>
+              <a:rPr lang="sv-SE" dirty="0" err="1"/>
+              <a:t>their</a:t>
+            </a:r>
+            <a:r>
+              <a:rPr lang="sv-SE" dirty="0"/>
+              <a:t> </a:t>
+            </a:r>
+            <a:r>
+              <a:rPr lang="sv-SE" dirty="0" err="1"/>
+              <a:t>limited</a:t>
+            </a:r>
+            <a:r>
+              <a:rPr lang="sv-SE" dirty="0"/>
+              <a:t> receptive </a:t>
+            </a:r>
+            <a:r>
+              <a:rPr lang="sv-SE" dirty="0" err="1"/>
+              <a:t>field</a:t>
+            </a:r>
+            <a:r>
+              <a:rPr lang="sv-SE" dirty="0"/>
+              <a:t>.</a:t>
+            </a:r>
+          </a:p>
+          <a:p>
+            <a:pPr lvl="1"/>
+            <a:r>
+              <a:rPr lang="sv-SE" dirty="0"/>
+              <a:t>The </a:t>
+            </a:r>
+            <a:r>
+              <a:rPr lang="sv-SE" dirty="0" err="1"/>
+              <a:t>network</a:t>
+            </a:r>
+            <a:r>
+              <a:rPr lang="sv-SE" dirty="0"/>
+              <a:t> </a:t>
+            </a:r>
+            <a:r>
+              <a:rPr lang="sv-SE" dirty="0" err="1"/>
+              <a:t>can</a:t>
+            </a:r>
+            <a:r>
+              <a:rPr lang="sv-SE" dirty="0"/>
+              <a:t> </a:t>
+            </a:r>
+            <a:r>
+              <a:rPr lang="sv-SE" dirty="0" err="1"/>
+              <a:t>easily</a:t>
+            </a:r>
+            <a:r>
+              <a:rPr lang="sv-SE" dirty="0"/>
+              <a:t> </a:t>
+            </a:r>
+            <a:r>
+              <a:rPr lang="sv-SE" dirty="0" err="1"/>
+              <a:t>identify</a:t>
+            </a:r>
+            <a:r>
+              <a:rPr lang="sv-SE" dirty="0"/>
+              <a:t> a corner </a:t>
+            </a:r>
+            <a:r>
+              <a:rPr lang="sv-SE" dirty="0" err="1"/>
+              <a:t>with</a:t>
+            </a:r>
+            <a:r>
+              <a:rPr lang="sv-SE" dirty="0"/>
+              <a:t> a </a:t>
+            </a:r>
+            <a:r>
+              <a:rPr lang="sv-SE" dirty="0" err="1"/>
+              <a:t>finder</a:t>
+            </a:r>
+            <a:r>
+              <a:rPr lang="sv-SE" dirty="0"/>
+              <a:t> </a:t>
+            </a:r>
+            <a:r>
+              <a:rPr lang="sv-SE" dirty="0" err="1"/>
+              <a:t>pattern</a:t>
+            </a:r>
+            <a:r>
+              <a:rPr lang="sv-SE" dirty="0"/>
+              <a:t>, </a:t>
+            </a:r>
+            <a:r>
+              <a:rPr lang="sv-SE" dirty="0" err="1"/>
+              <a:t>but</a:t>
+            </a:r>
+            <a:r>
+              <a:rPr lang="sv-SE" dirty="0"/>
+              <a:t> it </a:t>
+            </a:r>
+            <a:r>
+              <a:rPr lang="sv-SE" dirty="0" err="1"/>
+              <a:t>does</a:t>
+            </a:r>
+            <a:r>
+              <a:rPr lang="sv-SE" dirty="0"/>
+              <a:t> not </a:t>
+            </a:r>
+            <a:r>
+              <a:rPr lang="sv-SE" dirty="0" err="1"/>
+              <a:t>have</a:t>
+            </a:r>
+            <a:r>
+              <a:rPr lang="sv-SE" dirty="0"/>
+              <a:t> the </a:t>
+            </a:r>
+            <a:r>
+              <a:rPr lang="sv-SE" dirty="0" err="1"/>
+              <a:t>context</a:t>
+            </a:r>
+            <a:r>
+              <a:rPr lang="sv-SE" dirty="0"/>
+              <a:t> to understand </a:t>
+            </a:r>
+            <a:r>
+              <a:rPr lang="sv-SE" dirty="0" err="1"/>
+              <a:t>which</a:t>
+            </a:r>
+            <a:r>
+              <a:rPr lang="sv-SE" dirty="0"/>
+              <a:t> </a:t>
+            </a:r>
+            <a:r>
+              <a:rPr lang="sv-SE" dirty="0" err="1"/>
+              <a:t>of</a:t>
+            </a:r>
+            <a:r>
+              <a:rPr lang="sv-SE" dirty="0"/>
+              <a:t> the </a:t>
+            </a:r>
+            <a:r>
+              <a:rPr lang="sv-SE" dirty="0" err="1"/>
+              <a:t>corners</a:t>
+            </a:r>
+            <a:r>
+              <a:rPr lang="sv-SE" dirty="0"/>
+              <a:t> the </a:t>
+            </a:r>
+            <a:r>
+              <a:rPr lang="sv-SE" dirty="0" err="1"/>
+              <a:t>finder</a:t>
+            </a:r>
+            <a:r>
+              <a:rPr lang="sv-SE" dirty="0"/>
+              <a:t> </a:t>
+            </a:r>
+            <a:r>
+              <a:rPr lang="sv-SE" dirty="0" err="1"/>
+              <a:t>pattern</a:t>
+            </a:r>
+            <a:r>
+              <a:rPr lang="sv-SE" dirty="0"/>
+              <a:t> </a:t>
+            </a:r>
+            <a:r>
+              <a:rPr lang="sv-SE" dirty="0" err="1"/>
+              <a:t>belongs</a:t>
+            </a:r>
+            <a:r>
+              <a:rPr lang="sv-SE" dirty="0"/>
+              <a:t> to.</a:t>
+            </a:r>
+          </a:p>
+          <a:p>
+            <a:pPr lvl="1"/>
+            <a:r>
+              <a:rPr lang="sv-SE" dirty="0" err="1"/>
+              <a:t>But</a:t>
+            </a:r>
+            <a:r>
+              <a:rPr lang="sv-SE" dirty="0"/>
+              <a:t> the </a:t>
+            </a:r>
+            <a:r>
+              <a:rPr lang="sv-SE" dirty="0" err="1"/>
+              <a:t>odd</a:t>
+            </a:r>
+            <a:r>
+              <a:rPr lang="sv-SE" dirty="0"/>
+              <a:t> corner is </a:t>
+            </a:r>
+            <a:r>
+              <a:rPr lang="sv-SE" dirty="0" err="1"/>
+              <a:t>unique</a:t>
+            </a:r>
+            <a:r>
+              <a:rPr lang="sv-SE" dirty="0"/>
+              <a:t>!</a:t>
+            </a:r>
+          </a:p>
+          <a:p>
+            <a:r>
+              <a:rPr lang="sv-SE" dirty="0" err="1"/>
+              <a:t>Atrous</a:t>
+            </a:r>
+            <a:r>
+              <a:rPr lang="sv-SE" dirty="0"/>
+              <a:t> Spatial Pyramid </a:t>
+            </a:r>
+            <a:r>
+              <a:rPr lang="sv-SE" dirty="0" err="1"/>
+              <a:t>Pooling</a:t>
+            </a:r>
+            <a:r>
+              <a:rPr lang="sv-SE" dirty="0"/>
+              <a:t> (ASPP) </a:t>
+            </a:r>
+            <a:r>
+              <a:rPr lang="sv-SE" dirty="0" err="1"/>
+              <a:t>enlarges</a:t>
+            </a:r>
+            <a:r>
+              <a:rPr lang="sv-SE" dirty="0"/>
+              <a:t> the receptive </a:t>
+            </a:r>
+            <a:r>
+              <a:rPr lang="sv-SE" dirty="0" err="1"/>
+              <a:t>field</a:t>
+            </a:r>
+            <a:r>
+              <a:rPr lang="sv-SE" dirty="0"/>
+              <a:t> by </a:t>
+            </a:r>
+            <a:r>
+              <a:rPr lang="sv-SE" dirty="0" err="1"/>
+              <a:t>performing</a:t>
+            </a:r>
+            <a:r>
+              <a:rPr lang="sv-SE" dirty="0"/>
+              <a:t> </a:t>
+            </a:r>
+            <a:r>
+              <a:rPr lang="sv-SE" dirty="0" err="1"/>
+              <a:t>dilated</a:t>
+            </a:r>
+            <a:r>
+              <a:rPr lang="sv-SE" dirty="0"/>
+              <a:t> (</a:t>
+            </a:r>
+            <a:r>
+              <a:rPr lang="sv-SE" i="1" dirty="0" err="1"/>
+              <a:t>atrous</a:t>
+            </a:r>
+            <a:r>
+              <a:rPr lang="sv-SE" dirty="0"/>
+              <a:t>) </a:t>
+            </a:r>
+            <a:r>
+              <a:rPr lang="sv-SE" dirty="0" err="1"/>
+              <a:t>convolutions</a:t>
+            </a:r>
+            <a:r>
+              <a:rPr lang="sv-SE" dirty="0"/>
+              <a:t> </a:t>
+            </a:r>
+            <a:r>
+              <a:rPr lang="sv-SE" dirty="0" err="1"/>
+              <a:t>with</a:t>
+            </a:r>
+            <a:r>
+              <a:rPr lang="sv-SE" dirty="0"/>
+              <a:t> different </a:t>
+            </a:r>
+            <a:r>
+              <a:rPr lang="sv-SE" dirty="0" err="1"/>
+              <a:t>dilation</a:t>
+            </a:r>
+            <a:r>
+              <a:rPr lang="sv-SE" dirty="0"/>
+              <a:t> rates on the </a:t>
+            </a:r>
+            <a:r>
+              <a:rPr lang="sv-SE" dirty="0" err="1"/>
+              <a:t>network</a:t>
+            </a:r>
+            <a:r>
+              <a:rPr lang="sv-SE" dirty="0"/>
+              <a:t> </a:t>
+            </a:r>
+            <a:r>
+              <a:rPr lang="sv-SE" dirty="0" err="1"/>
+              <a:t>bottleneck</a:t>
+            </a:r>
+            <a:r>
+              <a:rPr lang="sv-SE" dirty="0"/>
+              <a:t>.</a:t>
+            </a:r>
+          </a:p>
+          <a:p>
+            <a:pPr lvl="1"/>
+            <a:r>
+              <a:rPr lang="sv-SE" dirty="0" err="1"/>
+              <a:t>Provides</a:t>
+            </a:r>
+            <a:r>
+              <a:rPr lang="sv-SE" dirty="0"/>
+              <a:t> multi-</a:t>
+            </a:r>
+            <a:r>
+              <a:rPr lang="sv-SE" dirty="0" err="1"/>
+              <a:t>scale</a:t>
+            </a:r>
+            <a:r>
+              <a:rPr lang="sv-SE" dirty="0"/>
+              <a:t> </a:t>
+            </a:r>
+            <a:r>
+              <a:rPr lang="sv-SE" dirty="0" err="1"/>
+              <a:t>context</a:t>
+            </a:r>
+            <a:r>
+              <a:rPr lang="sv-SE" dirty="0"/>
+              <a:t>, </a:t>
+            </a:r>
+            <a:r>
+              <a:rPr lang="sv-SE" dirty="0" err="1"/>
+              <a:t>with</a:t>
+            </a:r>
+            <a:r>
+              <a:rPr lang="sv-SE" dirty="0"/>
+              <a:t> </a:t>
+            </a:r>
+            <a:r>
+              <a:rPr lang="sv-SE" dirty="0" err="1"/>
+              <a:t>only</a:t>
+            </a:r>
+            <a:r>
+              <a:rPr lang="sv-SE" dirty="0"/>
+              <a:t> a </a:t>
+            </a:r>
+            <a:r>
+              <a:rPr lang="sv-SE" dirty="0" err="1"/>
+              <a:t>few</a:t>
+            </a:r>
+            <a:r>
+              <a:rPr lang="sv-SE" dirty="0"/>
+              <a:t> extra parameters.</a:t>
+            </a:r>
+          </a:p>
+          <a:p>
+            <a:pPr lvl="1"/>
+            <a:r>
+              <a:rPr lang="sv-SE" dirty="0"/>
+              <a:t>The </a:t>
+            </a:r>
+            <a:r>
+              <a:rPr lang="sv-SE" dirty="0" err="1"/>
+              <a:t>Tiny</a:t>
+            </a:r>
+            <a:r>
+              <a:rPr lang="sv-SE" dirty="0"/>
+              <a:t> U-Net </a:t>
+            </a:r>
+            <a:r>
+              <a:rPr lang="sv-SE" dirty="0" err="1"/>
+              <a:t>increased</a:t>
+            </a:r>
+            <a:r>
+              <a:rPr lang="sv-SE" dirty="0"/>
+              <a:t> from 500 K parameters to 1.1 M parameters.</a:t>
+            </a:r>
+          </a:p>
+        </p:txBody>
+      </p:sp>
+    </p:spTree>
+    <p:extLst>
+      <p:ext uri="{BB962C8B-B14F-4D97-AF65-F5344CB8AC3E}">
+        <p14:creationId xmlns:p14="http://schemas.microsoft.com/office/powerpoint/2010/main" val="1565451565"/>
       </p:ext>
     </p:extLst>
   </p:cSld>
